--- a/Final_Project/Seattle Crimes Presentation.pptx
+++ b/Final_Project/Seattle Crimes Presentation.pptx
@@ -572,7 +572,7 @@
           <a:p>
             <a:fld id="{14D1D07C-586E-49AB-A788-24E2922D328E}" type="datetimeFigureOut">
               <a:rPr lang="en-US" smtClean="0"/>
-              <a:t>6/5/2016</a:t>
+              <a:t>6/6/2016</a:t>
             </a:fld>
             <a:endParaRPr lang="en-US"/>
           </a:p>
@@ -904,7 +904,7 @@
           <a:p>
             <a:fld id="{14D1D07C-586E-49AB-A788-24E2922D328E}" type="datetimeFigureOut">
               <a:rPr lang="en-US" smtClean="0"/>
-              <a:t>6/5/2016</a:t>
+              <a:t>6/6/2016</a:t>
             </a:fld>
             <a:endParaRPr lang="en-US"/>
           </a:p>
@@ -1100,7 +1100,7 @@
           <a:p>
             <a:fld id="{14D1D07C-586E-49AB-A788-24E2922D328E}" type="datetimeFigureOut">
               <a:rPr lang="en-US" smtClean="0"/>
-              <a:t>6/5/2016</a:t>
+              <a:t>6/6/2016</a:t>
             </a:fld>
             <a:endParaRPr lang="en-US"/>
           </a:p>
@@ -1370,7 +1370,7 @@
           <a:p>
             <a:fld id="{14D1D07C-586E-49AB-A788-24E2922D328E}" type="datetimeFigureOut">
               <a:rPr lang="en-US" smtClean="0"/>
-              <a:t>6/5/2016</a:t>
+              <a:t>6/6/2016</a:t>
             </a:fld>
             <a:endParaRPr lang="en-US"/>
           </a:p>
@@ -1798,7 +1798,7 @@
           <a:p>
             <a:fld id="{14D1D07C-586E-49AB-A788-24E2922D328E}" type="datetimeFigureOut">
               <a:rPr lang="en-US" smtClean="0"/>
-              <a:t>6/5/2016</a:t>
+              <a:t>6/6/2016</a:t>
             </a:fld>
             <a:endParaRPr lang="en-US"/>
           </a:p>
@@ -2348,7 +2348,7 @@
           <a:p>
             <a:fld id="{14D1D07C-586E-49AB-A788-24E2922D328E}" type="datetimeFigureOut">
               <a:rPr lang="en-US" smtClean="0"/>
-              <a:t>6/5/2016</a:t>
+              <a:t>6/6/2016</a:t>
             </a:fld>
             <a:endParaRPr lang="en-US"/>
           </a:p>
@@ -3138,7 +3138,7 @@
           <a:p>
             <a:fld id="{14D1D07C-586E-49AB-A788-24E2922D328E}" type="datetimeFigureOut">
               <a:rPr lang="en-US" smtClean="0"/>
-              <a:t>6/5/2016</a:t>
+              <a:t>6/6/2016</a:t>
             </a:fld>
             <a:endParaRPr lang="en-US"/>
           </a:p>
@@ -3317,7 +3317,7 @@
           <a:p>
             <a:fld id="{14D1D07C-586E-49AB-A788-24E2922D328E}" type="datetimeFigureOut">
               <a:rPr lang="en-US" smtClean="0"/>
-              <a:t>6/5/2016</a:t>
+              <a:t>6/6/2016</a:t>
             </a:fld>
             <a:endParaRPr lang="en-US"/>
           </a:p>
@@ -3501,7 +3501,7 @@
           <a:p>
             <a:fld id="{14D1D07C-586E-49AB-A788-24E2922D328E}" type="datetimeFigureOut">
               <a:rPr lang="en-US" smtClean="0"/>
-              <a:t>6/5/2016</a:t>
+              <a:t>6/6/2016</a:t>
             </a:fld>
             <a:endParaRPr lang="en-US"/>
           </a:p>
@@ -3676,7 +3676,7 @@
           <a:p>
             <a:fld id="{14D1D07C-586E-49AB-A788-24E2922D328E}" type="datetimeFigureOut">
               <a:rPr lang="en-US" smtClean="0"/>
-              <a:t>6/5/2016</a:t>
+              <a:t>6/6/2016</a:t>
             </a:fld>
             <a:endParaRPr lang="en-US"/>
           </a:p>
@@ -3926,7 +3926,7 @@
           <a:p>
             <a:fld id="{14D1D07C-586E-49AB-A788-24E2922D328E}" type="datetimeFigureOut">
               <a:rPr lang="en-US" smtClean="0"/>
-              <a:t>6/5/2016</a:t>
+              <a:t>6/6/2016</a:t>
             </a:fld>
             <a:endParaRPr lang="en-US"/>
           </a:p>
@@ -4163,7 +4163,7 @@
           <a:p>
             <a:fld id="{14D1D07C-586E-49AB-A788-24E2922D328E}" type="datetimeFigureOut">
               <a:rPr lang="en-US" smtClean="0"/>
-              <a:t>6/5/2016</a:t>
+              <a:t>6/6/2016</a:t>
             </a:fld>
             <a:endParaRPr lang="en-US"/>
           </a:p>
@@ -4548,7 +4548,7 @@
           <a:p>
             <a:fld id="{14D1D07C-586E-49AB-A788-24E2922D328E}" type="datetimeFigureOut">
               <a:rPr lang="en-US" smtClean="0"/>
-              <a:t>6/5/2016</a:t>
+              <a:t>6/6/2016</a:t>
             </a:fld>
             <a:endParaRPr lang="en-US"/>
           </a:p>
@@ -4666,7 +4666,7 @@
           <a:p>
             <a:fld id="{14D1D07C-586E-49AB-A788-24E2922D328E}" type="datetimeFigureOut">
               <a:rPr lang="en-US" smtClean="0"/>
-              <a:t>6/5/2016</a:t>
+              <a:t>6/6/2016</a:t>
             </a:fld>
             <a:endParaRPr lang="en-US"/>
           </a:p>
@@ -4761,7 +4761,7 @@
           <a:p>
             <a:fld id="{14D1D07C-586E-49AB-A788-24E2922D328E}" type="datetimeFigureOut">
               <a:rPr lang="en-US" smtClean="0"/>
-              <a:t>6/5/2016</a:t>
+              <a:t>6/6/2016</a:t>
             </a:fld>
             <a:endParaRPr lang="en-US"/>
           </a:p>
@@ -5014,7 +5014,7 @@
           <a:p>
             <a:fld id="{14D1D07C-586E-49AB-A788-24E2922D328E}" type="datetimeFigureOut">
               <a:rPr lang="en-US" smtClean="0"/>
-              <a:t>6/5/2016</a:t>
+              <a:t>6/6/2016</a:t>
             </a:fld>
             <a:endParaRPr lang="en-US"/>
           </a:p>
@@ -5283,7 +5283,7 @@
           <a:p>
             <a:fld id="{14D1D07C-586E-49AB-A788-24E2922D328E}" type="datetimeFigureOut">
               <a:rPr lang="en-US" smtClean="0"/>
-              <a:t>6/5/2016</a:t>
+              <a:t>6/6/2016</a:t>
             </a:fld>
             <a:endParaRPr lang="en-US"/>
           </a:p>
@@ -5686,7 +5686,7 @@
           <a:p>
             <a:fld id="{14D1D07C-586E-49AB-A788-24E2922D328E}" type="datetimeFigureOut">
               <a:rPr lang="en-US" smtClean="0"/>
-              <a:t>6/5/2016</a:t>
+              <a:t>6/6/2016</a:t>
             </a:fld>
             <a:endParaRPr lang="en-US"/>
           </a:p>
@@ -6576,7 +6576,7 @@
           <a:p>
             <a:r>
               <a:rPr lang="en-US" dirty="0"/>
-              <a:t>Map of crimes</a:t>
+              <a:t>Map of zip codes</a:t>
             </a:r>
           </a:p>
           <a:p>
@@ -6594,7 +6594,7 @@
           <a:p>
             <a:r>
               <a:rPr lang="en-US" dirty="0"/>
-              <a:t>Comprehensive filters</a:t>
+              <a:t>Dynamic Crime trend</a:t>
             </a:r>
           </a:p>
           <a:p>
@@ -6607,7 +6607,7 @@
       </p:sp>
       <p:pic>
         <p:nvPicPr>
-          <p:cNvPr id="6" name="Picture 5"/>
+          <p:cNvPr id="4" name="Picture 3"/>
           <p:cNvPicPr>
             <a:picLocks noChangeAspect="1"/>
           </p:cNvPicPr>
@@ -6621,8 +6621,8 @@
         </p:blipFill>
         <p:spPr>
           <a:xfrm>
-            <a:off x="6010491" y="1261782"/>
-            <a:ext cx="5072192" cy="3800966"/>
+            <a:off x="5150244" y="1637414"/>
+            <a:ext cx="6407345" cy="3737171"/>
           </a:xfrm>
           <a:prstGeom prst="rect">
             <a:avLst/>
@@ -6848,10 +6848,9 @@
           <a:lstStyle/>
           <a:p>
             <a:r>
-              <a:rPr lang="en-US" dirty="0" err="1"/>
-              <a:t>QuestionS</a:t>
-            </a:r>
-            <a:endParaRPr lang="en-US" dirty="0"/>
+              <a:rPr lang="en-US" dirty="0"/>
+              <a:t>Questions</a:t>
+            </a:r>
           </a:p>
         </p:txBody>
       </p:sp>

--- a/Final_Project/Seattle Crimes Presentation.pptx
+++ b/Final_Project/Seattle Crimes Presentation.pptx
@@ -10,9 +10,10 @@
     <p:sldId id="258" r:id="rId4"/>
     <p:sldId id="259" r:id="rId5"/>
     <p:sldId id="260" r:id="rId6"/>
-    <p:sldId id="261" r:id="rId7"/>
-    <p:sldId id="262" r:id="rId8"/>
-    <p:sldId id="263" r:id="rId9"/>
+    <p:sldId id="264" r:id="rId7"/>
+    <p:sldId id="261" r:id="rId8"/>
+    <p:sldId id="262" r:id="rId9"/>
+    <p:sldId id="263" r:id="rId10"/>
   </p:sldIdLst>
   <p:sldSz cx="12192000" cy="6858000"/>
   <p:notesSz cx="6858000" cy="9144000"/>
@@ -6600,8 +6601,13 @@
           <a:p>
             <a:r>
               <a:rPr lang="en-US" dirty="0"/>
-              <a:t>Color schema</a:t>
-            </a:r>
+              <a:t>Color schema/</a:t>
+            </a:r>
+            <a:r>
+              <a:rPr lang="en-US" dirty="0" err="1"/>
+              <a:t>lables</a:t>
+            </a:r>
+            <a:endParaRPr lang="en-US" dirty="0"/>
           </a:p>
         </p:txBody>
       </p:sp>
@@ -6706,6 +6712,122 @@
           <a:p>
             <a:r>
               <a:rPr lang="en-US" dirty="0"/>
+              <a:t>Navigation</a:t>
+            </a:r>
+          </a:p>
+        </p:txBody>
+      </p:sp>
+      <p:sp>
+        <p:nvSpPr>
+          <p:cNvPr id="3" name="Content Placeholder 2"/>
+          <p:cNvSpPr>
+            <a:spLocks noGrp="1"/>
+          </p:cNvSpPr>
+          <p:nvPr>
+            <p:ph sz="quarter" idx="13"/>
+          </p:nvPr>
+        </p:nvSpPr>
+        <p:spPr/>
+        <p:txBody>
+          <a:bodyPr/>
+          <a:lstStyle/>
+          <a:p>
+            <a:pPr marL="457200" indent="-457200">
+              <a:buFont typeface="+mj-lt"/>
+              <a:buAutoNum type="arabicPeriod"/>
+            </a:pPr>
+            <a:r>
+              <a:rPr lang="en-US" dirty="0"/>
+              <a:t>Click on elements on the maps</a:t>
+            </a:r>
+          </a:p>
+          <a:p>
+            <a:pPr marL="457200" indent="-457200">
+              <a:buFont typeface="+mj-lt"/>
+              <a:buAutoNum type="arabicPeriod"/>
+            </a:pPr>
+            <a:r>
+              <a:rPr lang="en-US" dirty="0"/>
+              <a:t>Hover over the information icon in tabular data</a:t>
+            </a:r>
+          </a:p>
+          <a:p>
+            <a:pPr marL="457200" indent="-457200">
+              <a:buFont typeface="+mj-lt"/>
+              <a:buAutoNum type="arabicPeriod"/>
+            </a:pPr>
+            <a:r>
+              <a:rPr lang="en-US" dirty="0"/>
+              <a:t>Click on the row in tabular to display </a:t>
+            </a:r>
+            <a:r>
+              <a:rPr lang="en-US" dirty="0" err="1"/>
+              <a:t>url</a:t>
+            </a:r>
+            <a:r>
+              <a:rPr lang="en-US" dirty="0"/>
+              <a:t> actions</a:t>
+            </a:r>
+          </a:p>
+          <a:p>
+            <a:pPr marL="457200" indent="-457200">
+              <a:buFont typeface="+mj-lt"/>
+              <a:buAutoNum type="arabicPeriod"/>
+            </a:pPr>
+            <a:r>
+              <a:rPr lang="en-US" dirty="0"/>
+              <a:t>Click on the links displayed in steep 3 to view google maps location</a:t>
+            </a:r>
+          </a:p>
+        </p:txBody>
+      </p:sp>
+    </p:spTree>
+    <p:extLst>
+      <p:ext uri="{BB962C8B-B14F-4D97-AF65-F5344CB8AC3E}">
+        <p14:creationId xmlns:p14="http://schemas.microsoft.com/office/powerpoint/2010/main" val="751618873"/>
+      </p:ext>
+    </p:extLst>
+  </p:cSld>
+  <p:clrMapOvr>
+    <a:masterClrMapping/>
+  </p:clrMapOvr>
+</p:sld>
+</file>
+
+<file path=ppt/slides/slide7.xml><?xml version="1.0" encoding="utf-8"?>
+<p:sld xmlns:a="http://schemas.openxmlformats.org/drawingml/2006/main" xmlns:r="http://schemas.openxmlformats.org/officeDocument/2006/relationships" xmlns:p="http://schemas.openxmlformats.org/presentationml/2006/main">
+  <p:cSld>
+    <p:spTree>
+      <p:nvGrpSpPr>
+        <p:cNvPr id="1" name=""/>
+        <p:cNvGrpSpPr/>
+        <p:nvPr/>
+      </p:nvGrpSpPr>
+      <p:grpSpPr>
+        <a:xfrm>
+          <a:off x="0" y="0"/>
+          <a:ext cx="0" cy="0"/>
+          <a:chOff x="0" y="0"/>
+          <a:chExt cx="0" cy="0"/>
+        </a:xfrm>
+      </p:grpSpPr>
+      <p:sp>
+        <p:nvSpPr>
+          <p:cNvPr id="2" name="Title 1"/>
+          <p:cNvSpPr>
+            <a:spLocks noGrp="1"/>
+          </p:cNvSpPr>
+          <p:nvPr>
+            <p:ph type="title"/>
+          </p:nvPr>
+        </p:nvSpPr>
+        <p:spPr/>
+        <p:txBody>
+          <a:bodyPr/>
+          <a:lstStyle/>
+          <a:p>
+            <a:r>
+              <a:rPr lang="en-US" dirty="0"/>
               <a:t>Limitations</a:t>
             </a:r>
           </a:p>
@@ -6815,7 +6937,7 @@
 </p:sld>
 </file>
 
-<file path=ppt/slides/slide7.xml><?xml version="1.0" encoding="utf-8"?>
+<file path=ppt/slides/slide8.xml><?xml version="1.0" encoding="utf-8"?>
 <p:sld xmlns:a="http://schemas.openxmlformats.org/drawingml/2006/main" xmlns:r="http://schemas.openxmlformats.org/officeDocument/2006/relationships" xmlns:p="http://schemas.openxmlformats.org/presentationml/2006/main">
   <p:cSld>
     <p:spTree>
@@ -6892,7 +7014,7 @@
 </p:sld>
 </file>
 
-<file path=ppt/slides/slide8.xml><?xml version="1.0" encoding="utf-8"?>
+<file path=ppt/slides/slide9.xml><?xml version="1.0" encoding="utf-8"?>
 <p:sld xmlns:a="http://schemas.openxmlformats.org/drawingml/2006/main" xmlns:r="http://schemas.openxmlformats.org/officeDocument/2006/relationships" xmlns:p="http://schemas.openxmlformats.org/presentationml/2006/main">
   <p:cSld>
     <p:spTree>
